--- a/All Sub PPT/MS Office.pptx
+++ b/All Sub PPT/MS Office.pptx
@@ -256,7 +256,7 @@
           <a:p>
             <a:fld id="{7107816B-387F-4171-83C2-BA71B3F68310}" type="datetimeFigureOut">
               <a:rPr lang="en-US" smtClean="0"/>
-              <a:t>1/5/2023</a:t>
+              <a:t>1/20/2023</a:t>
             </a:fld>
             <a:endParaRPr lang="en-US"/>
           </a:p>
@@ -786,7 +786,7 @@
           <a:p>
             <a:fld id="{0787FD54-69F7-44DD-B1AD-B9F313DCD073}" type="datetimeFigureOut">
               <a:rPr lang="en-US" smtClean="0"/>
-              <a:t>1/5/2023</a:t>
+              <a:t>1/20/2023</a:t>
             </a:fld>
             <a:endParaRPr lang="en-US"/>
           </a:p>
@@ -954,7 +954,7 @@
           <a:p>
             <a:fld id="{0787FD54-69F7-44DD-B1AD-B9F313DCD073}" type="datetimeFigureOut">
               <a:rPr lang="en-US" smtClean="0"/>
-              <a:t>1/5/2023</a:t>
+              <a:t>1/20/2023</a:t>
             </a:fld>
             <a:endParaRPr lang="en-US"/>
           </a:p>
@@ -1132,7 +1132,7 @@
           <a:p>
             <a:fld id="{0787FD54-69F7-44DD-B1AD-B9F313DCD073}" type="datetimeFigureOut">
               <a:rPr lang="en-US" smtClean="0"/>
-              <a:t>1/5/2023</a:t>
+              <a:t>1/20/2023</a:t>
             </a:fld>
             <a:endParaRPr lang="en-US"/>
           </a:p>
@@ -1300,7 +1300,7 @@
           <a:p>
             <a:fld id="{0787FD54-69F7-44DD-B1AD-B9F313DCD073}" type="datetimeFigureOut">
               <a:rPr lang="en-US" smtClean="0"/>
-              <a:t>1/5/2023</a:t>
+              <a:t>1/20/2023</a:t>
             </a:fld>
             <a:endParaRPr lang="en-US"/>
           </a:p>
@@ -1545,7 +1545,7 @@
           <a:p>
             <a:fld id="{0787FD54-69F7-44DD-B1AD-B9F313DCD073}" type="datetimeFigureOut">
               <a:rPr lang="en-US" smtClean="0"/>
-              <a:t>1/5/2023</a:t>
+              <a:t>1/20/2023</a:t>
             </a:fld>
             <a:endParaRPr lang="en-US"/>
           </a:p>
@@ -1830,7 +1830,7 @@
           <a:p>
             <a:fld id="{0787FD54-69F7-44DD-B1AD-B9F313DCD073}" type="datetimeFigureOut">
               <a:rPr lang="en-US" smtClean="0"/>
-              <a:t>1/5/2023</a:t>
+              <a:t>1/20/2023</a:t>
             </a:fld>
             <a:endParaRPr lang="en-US"/>
           </a:p>
@@ -2249,7 +2249,7 @@
           <a:p>
             <a:fld id="{0787FD54-69F7-44DD-B1AD-B9F313DCD073}" type="datetimeFigureOut">
               <a:rPr lang="en-US" smtClean="0"/>
-              <a:t>1/5/2023</a:t>
+              <a:t>1/20/2023</a:t>
             </a:fld>
             <a:endParaRPr lang="en-US"/>
           </a:p>
@@ -2366,7 +2366,7 @@
           <a:p>
             <a:fld id="{0787FD54-69F7-44DD-B1AD-B9F313DCD073}" type="datetimeFigureOut">
               <a:rPr lang="en-US" smtClean="0"/>
-              <a:t>1/5/2023</a:t>
+              <a:t>1/20/2023</a:t>
             </a:fld>
             <a:endParaRPr lang="en-US"/>
           </a:p>
@@ -2461,7 +2461,7 @@
           <a:p>
             <a:fld id="{0787FD54-69F7-44DD-B1AD-B9F313DCD073}" type="datetimeFigureOut">
               <a:rPr lang="en-US" smtClean="0"/>
-              <a:t>1/5/2023</a:t>
+              <a:t>1/20/2023</a:t>
             </a:fld>
             <a:endParaRPr lang="en-US"/>
           </a:p>
@@ -2736,7 +2736,7 @@
           <a:p>
             <a:fld id="{0787FD54-69F7-44DD-B1AD-B9F313DCD073}" type="datetimeFigureOut">
               <a:rPr lang="en-US" smtClean="0"/>
-              <a:t>1/5/2023</a:t>
+              <a:t>1/20/2023</a:t>
             </a:fld>
             <a:endParaRPr lang="en-US"/>
           </a:p>
@@ -2988,7 +2988,7 @@
           <a:p>
             <a:fld id="{0787FD54-69F7-44DD-B1AD-B9F313DCD073}" type="datetimeFigureOut">
               <a:rPr lang="en-US" smtClean="0"/>
-              <a:t>1/5/2023</a:t>
+              <a:t>1/20/2023</a:t>
             </a:fld>
             <a:endParaRPr lang="en-US"/>
           </a:p>
@@ -3204,7 +3204,7 @@
           <a:p>
             <a:fld id="{0787FD54-69F7-44DD-B1AD-B9F313DCD073}" type="datetimeFigureOut">
               <a:rPr lang="en-US" smtClean="0"/>
-              <a:t>1/5/2023</a:t>
+              <a:t>1/20/2023</a:t>
             </a:fld>
             <a:endParaRPr lang="en-US"/>
           </a:p>
@@ -7756,14 +7756,6 @@
   <p:clrMapOvr>
     <a:masterClrMapping/>
   </p:clrMapOvr>
-  <mc:AlternateContent xmlns:mc="http://schemas.openxmlformats.org/markup-compatibility/2006">
-    <mc:Choice xmlns:p14="http://schemas.microsoft.com/office/powerpoint/2010/main" Requires="p14">
-      <p:transition spd="slow" p14:dur="2000" advTm="600"/>
-    </mc:Choice>
-    <mc:Fallback>
-      <p:transition spd="slow" advTm="600"/>
-    </mc:Fallback>
-  </mc:AlternateContent>
 </p:sld>
 </file>
 
@@ -7981,14 +7973,6 @@
   <p:clrMapOvr>
     <a:masterClrMapping/>
   </p:clrMapOvr>
-  <mc:AlternateContent xmlns:mc="http://schemas.openxmlformats.org/markup-compatibility/2006">
-    <mc:Choice xmlns:p14="http://schemas.microsoft.com/office/powerpoint/2010/main" Requires="p14">
-      <p:transition spd="slow" p14:dur="2000" advTm="600"/>
-    </mc:Choice>
-    <mc:Fallback>
-      <p:transition spd="slow" advTm="600"/>
-    </mc:Fallback>
-  </mc:AlternateContent>
 </p:sld>
 </file>
 
@@ -8253,14 +8237,6 @@
   <p:clrMapOvr>
     <a:masterClrMapping/>
   </p:clrMapOvr>
-  <mc:AlternateContent xmlns:mc="http://schemas.openxmlformats.org/markup-compatibility/2006">
-    <mc:Choice xmlns:p14="http://schemas.microsoft.com/office/powerpoint/2010/main" Requires="p14">
-      <p:transition spd="slow" p14:dur="2000" advTm="600"/>
-    </mc:Choice>
-    <mc:Fallback>
-      <p:transition spd="slow" advTm="600"/>
-    </mc:Fallback>
-  </mc:AlternateContent>
 </p:sld>
 </file>
 
